--- a/docs/cxl.pptx
+++ b/docs/cxl.pptx
@@ -115,6 +115,11 @@
       </a:defRPr>
     </a:lvl9pPr>
   </p:defaultTextStyle>
+  <p:extLst>
+    <p:ext uri="{EFAFB233-063F-42B5-8137-9DF3F51BA10A}">
+      <p15:sldGuideLst xmlns:p15="http://schemas.microsoft.com/office/powerpoint/2012/main"/>
+    </p:ext>
+  </p:extLst>
 </p:presentation>
 </file>
 
@@ -200,7 +205,7 @@
           <a:p>
             <a:fld id="{C8E20450-72F6-8B47-9B89-CC8B242E56B0}" type="datetimeFigureOut">
               <a:rPr lang="en-US" smtClean="0"/>
-              <a:t>9/24/21</a:t>
+              <a:t>11/4/21</a:t>
             </a:fld>
             <a:endParaRPr lang="en-US"/>
           </a:p>
@@ -866,7 +871,7 @@
           <a:p>
             <a:fld id="{E22494EB-70C5-2548-BD35-BE05D85C7344}" type="datetimeFigureOut">
               <a:rPr lang="en-US" smtClean="0"/>
-              <a:t>9/24/21</a:t>
+              <a:t>11/4/21</a:t>
             </a:fld>
             <a:endParaRPr lang="en-US"/>
           </a:p>
@@ -1064,7 +1069,7 @@
           <a:p>
             <a:fld id="{E22494EB-70C5-2548-BD35-BE05D85C7344}" type="datetimeFigureOut">
               <a:rPr lang="en-US" smtClean="0"/>
-              <a:t>9/24/21</a:t>
+              <a:t>11/4/21</a:t>
             </a:fld>
             <a:endParaRPr lang="en-US"/>
           </a:p>
@@ -1272,7 +1277,7 @@
           <a:p>
             <a:fld id="{E22494EB-70C5-2548-BD35-BE05D85C7344}" type="datetimeFigureOut">
               <a:rPr lang="en-US" smtClean="0"/>
-              <a:t>9/24/21</a:t>
+              <a:t>11/4/21</a:t>
             </a:fld>
             <a:endParaRPr lang="en-US"/>
           </a:p>
@@ -1470,7 +1475,7 @@
           <a:p>
             <a:fld id="{E22494EB-70C5-2548-BD35-BE05D85C7344}" type="datetimeFigureOut">
               <a:rPr lang="en-US" smtClean="0"/>
-              <a:t>9/24/21</a:t>
+              <a:t>11/4/21</a:t>
             </a:fld>
             <a:endParaRPr lang="en-US"/>
           </a:p>
@@ -1745,7 +1750,7 @@
           <a:p>
             <a:fld id="{E22494EB-70C5-2548-BD35-BE05D85C7344}" type="datetimeFigureOut">
               <a:rPr lang="en-US" smtClean="0"/>
-              <a:t>9/24/21</a:t>
+              <a:t>11/4/21</a:t>
             </a:fld>
             <a:endParaRPr lang="en-US"/>
           </a:p>
@@ -2010,7 +2015,7 @@
           <a:p>
             <a:fld id="{E22494EB-70C5-2548-BD35-BE05D85C7344}" type="datetimeFigureOut">
               <a:rPr lang="en-US" smtClean="0"/>
-              <a:t>9/24/21</a:t>
+              <a:t>11/4/21</a:t>
             </a:fld>
             <a:endParaRPr lang="en-US"/>
           </a:p>
@@ -2422,7 +2427,7 @@
           <a:p>
             <a:fld id="{E22494EB-70C5-2548-BD35-BE05D85C7344}" type="datetimeFigureOut">
               <a:rPr lang="en-US" smtClean="0"/>
-              <a:t>9/24/21</a:t>
+              <a:t>11/4/21</a:t>
             </a:fld>
             <a:endParaRPr lang="en-US"/>
           </a:p>
@@ -2563,7 +2568,7 @@
           <a:p>
             <a:fld id="{E22494EB-70C5-2548-BD35-BE05D85C7344}" type="datetimeFigureOut">
               <a:rPr lang="en-US" smtClean="0"/>
-              <a:t>9/24/21</a:t>
+              <a:t>11/4/21</a:t>
             </a:fld>
             <a:endParaRPr lang="en-US"/>
           </a:p>
@@ -2676,7 +2681,7 @@
           <a:p>
             <a:fld id="{E22494EB-70C5-2548-BD35-BE05D85C7344}" type="datetimeFigureOut">
               <a:rPr lang="en-US" smtClean="0"/>
-              <a:t>9/24/21</a:t>
+              <a:t>11/4/21</a:t>
             </a:fld>
             <a:endParaRPr lang="en-US"/>
           </a:p>
@@ -2987,7 +2992,7 @@
           <a:p>
             <a:fld id="{E22494EB-70C5-2548-BD35-BE05D85C7344}" type="datetimeFigureOut">
               <a:rPr lang="en-US" smtClean="0"/>
-              <a:t>9/24/21</a:t>
+              <a:t>11/4/21</a:t>
             </a:fld>
             <a:endParaRPr lang="en-US"/>
           </a:p>
@@ -3275,7 +3280,7 @@
           <a:p>
             <a:fld id="{E22494EB-70C5-2548-BD35-BE05D85C7344}" type="datetimeFigureOut">
               <a:rPr lang="en-US" smtClean="0"/>
-              <a:t>9/24/21</a:t>
+              <a:t>11/4/21</a:t>
             </a:fld>
             <a:endParaRPr lang="en-US"/>
           </a:p>
@@ -3516,7 +3521,7 @@
           <a:p>
             <a:fld id="{E22494EB-70C5-2548-BD35-BE05D85C7344}" type="datetimeFigureOut">
               <a:rPr lang="en-US" smtClean="0"/>
-              <a:t>9/24/21</a:t>
+              <a:t>11/4/21</a:t>
             </a:fld>
             <a:endParaRPr lang="en-US"/>
           </a:p>
@@ -4191,7 +4196,7 @@
           <a:p>
             <a:r>
               <a:rPr lang="en-US" dirty="0"/>
-              <a:t>CXL – Is it revolutionarily new?</a:t>
+              <a:t>CXL – Is it new hardware?</a:t>
             </a:r>
           </a:p>
         </p:txBody>
@@ -4539,7 +4544,7 @@
             </a:pPr>
             <a:r>
               <a:rPr lang="en-US" dirty="0"/>
-              <a:t>Each protocol has its own implementation in every layer.</a:t>
+              <a:t>Each sub-protocol has its own implementation in every layer.</a:t>
             </a:r>
           </a:p>
         </p:txBody>
@@ -4998,7 +5003,7 @@
           <a:p>
             <a:r>
               <a:rPr lang="en-US" dirty="0"/>
-              <a:t>Type 3 with just </a:t>
+              <a:t>Type 2 with just </a:t>
             </a:r>
             <a:r>
               <a:rPr lang="en-US" dirty="0" err="1"/>
@@ -5012,13 +5017,20 @@
           <a:p>
             <a:r>
               <a:rPr lang="en-US" dirty="0"/>
-              <a:t>Is there going to be a NIC/ethernet?</a:t>
+              <a:t>Is there going to be a NIC/ethernet? – not in the later versions.</a:t>
             </a:r>
           </a:p>
           <a:p>
             <a:r>
               <a:rPr lang="en-US" dirty="0"/>
-              <a:t>No DRAM cache – would the usual L3 be enough?</a:t>
+              <a:t>No DRAM cache</a:t>
+            </a:r>
+          </a:p>
+          <a:p>
+            <a:pPr lvl="1"/>
+            <a:r>
+              <a:rPr lang="en-US" dirty="0"/>
+              <a:t>Would the usual L3 be enough to make up for increased memory latency?</a:t>
             </a:r>
           </a:p>
         </p:txBody>
